--- a/ppt 16-9/0483.前往收割.pptx
+++ b/ppt 16-9/0483.前往收割.pptx
@@ -129,7 +129,7 @@
           <p:cNvPr id="2" name="标题 1">
             <a:extLst>
               <a:ext uri="{FF2B5EF4-FFF2-40B4-BE49-F238E27FC236}">
-                <a16:creationId xmlns:a16="http://schemas.microsoft.com/office/drawing/2014/main" id="{6A82AFB4-3DC9-5AB6-3C3B-776D95F3BFD9}"/>
+                <a16:creationId xmlns:a16="http://schemas.microsoft.com/office/drawing/2014/main" id="{18DF39EF-748C-1D25-6A57-37551AA418AF}"/>
               </a:ext>
             </a:extLst>
           </p:cNvPr>
@@ -166,7 +166,7 @@
           <p:cNvPr id="3" name="副标题 2">
             <a:extLst>
               <a:ext uri="{FF2B5EF4-FFF2-40B4-BE49-F238E27FC236}">
-                <a16:creationId xmlns:a16="http://schemas.microsoft.com/office/drawing/2014/main" id="{6FB726A8-BE1D-C1BE-6D12-6DDAB63FEEF2}"/>
+                <a16:creationId xmlns:a16="http://schemas.microsoft.com/office/drawing/2014/main" id="{DA617BF6-B17B-4B7C-19F9-559E7DD35FBE}"/>
               </a:ext>
             </a:extLst>
           </p:cNvPr>
@@ -236,7 +236,7 @@
           <p:cNvPr id="4" name="日期占位符 3">
             <a:extLst>
               <a:ext uri="{FF2B5EF4-FFF2-40B4-BE49-F238E27FC236}">
-                <a16:creationId xmlns:a16="http://schemas.microsoft.com/office/drawing/2014/main" id="{8498B66A-63C1-F6E1-25A1-04CFC03F4397}"/>
+                <a16:creationId xmlns:a16="http://schemas.microsoft.com/office/drawing/2014/main" id="{6F4E51B3-FE33-F246-E1D4-A0A99A158D4B}"/>
               </a:ext>
             </a:extLst>
           </p:cNvPr>
@@ -252,7 +252,7 @@
           <a:bodyPr/>
           <a:lstStyle/>
           <a:p>
-            <a:fld id="{F899CF23-CD00-4E4E-BECA-402F714719DD}" type="datetimeFigureOut">
+            <a:fld id="{2D81FC54-9D42-4A67-B7BD-1187F6BD8B8E}" type="datetimeFigureOut">
               <a:rPr lang="zh-CN" altLang="en-US" smtClean="0"/>
               <a:t>2024/3/10</a:t>
             </a:fld>
@@ -265,7 +265,7 @@
           <p:cNvPr id="5" name="页脚占位符 4">
             <a:extLst>
               <a:ext uri="{FF2B5EF4-FFF2-40B4-BE49-F238E27FC236}">
-                <a16:creationId xmlns:a16="http://schemas.microsoft.com/office/drawing/2014/main" id="{A9AD1991-7626-E5E9-DA70-ABF2D5846B96}"/>
+                <a16:creationId xmlns:a16="http://schemas.microsoft.com/office/drawing/2014/main" id="{03479DBB-F3A7-0637-8824-C29C21DA824C}"/>
               </a:ext>
             </a:extLst>
           </p:cNvPr>
@@ -290,7 +290,7 @@
           <p:cNvPr id="6" name="灯片编号占位符 5">
             <a:extLst>
               <a:ext uri="{FF2B5EF4-FFF2-40B4-BE49-F238E27FC236}">
-                <a16:creationId xmlns:a16="http://schemas.microsoft.com/office/drawing/2014/main" id="{82F6B194-AC3B-45D3-EA15-5ECB2DD7E251}"/>
+                <a16:creationId xmlns:a16="http://schemas.microsoft.com/office/drawing/2014/main" id="{3ED88989-DB68-CBB3-8147-F69481A9961F}"/>
               </a:ext>
             </a:extLst>
           </p:cNvPr>
@@ -306,7 +306,7 @@
           <a:bodyPr/>
           <a:lstStyle/>
           <a:p>
-            <a:fld id="{F1FBBA34-171E-4E0A-B560-697D580476C7}" type="slidenum">
+            <a:fld id="{791020A9-F320-4F49-8F4E-5BF339C46B1C}" type="slidenum">
               <a:rPr lang="zh-CN" altLang="en-US" smtClean="0"/>
               <a:t>‹#›</a:t>
             </a:fld>
@@ -317,7 +317,7 @@
     </p:spTree>
     <p:extLst>
       <p:ext uri="{BB962C8B-B14F-4D97-AF65-F5344CB8AC3E}">
-        <p14:creationId xmlns:p14="http://schemas.microsoft.com/office/powerpoint/2010/main" val="2400222010"/>
+        <p14:creationId xmlns:p14="http://schemas.microsoft.com/office/powerpoint/2010/main" val="2016054553"/>
       </p:ext>
     </p:extLst>
   </p:cSld>
@@ -349,7 +349,7 @@
           <p:cNvPr id="2" name="标题 1">
             <a:extLst>
               <a:ext uri="{FF2B5EF4-FFF2-40B4-BE49-F238E27FC236}">
-                <a16:creationId xmlns:a16="http://schemas.microsoft.com/office/drawing/2014/main" id="{FE3C82CD-734A-AA19-D9E1-F09E2350560F}"/>
+                <a16:creationId xmlns:a16="http://schemas.microsoft.com/office/drawing/2014/main" id="{DB336F5A-738B-9692-B233-BC663CBCBD05}"/>
               </a:ext>
             </a:extLst>
           </p:cNvPr>
@@ -377,7 +377,7 @@
           <p:cNvPr id="3" name="竖排文字占位符 2">
             <a:extLst>
               <a:ext uri="{FF2B5EF4-FFF2-40B4-BE49-F238E27FC236}">
-                <a16:creationId xmlns:a16="http://schemas.microsoft.com/office/drawing/2014/main" id="{56221D4D-2516-B313-6ECC-339B17ACEB1B}"/>
+                <a16:creationId xmlns:a16="http://schemas.microsoft.com/office/drawing/2014/main" id="{FF574F5F-7C0A-26F2-32B6-6C7F6551FF74}"/>
               </a:ext>
             </a:extLst>
           </p:cNvPr>
@@ -434,7 +434,7 @@
           <p:cNvPr id="4" name="日期占位符 3">
             <a:extLst>
               <a:ext uri="{FF2B5EF4-FFF2-40B4-BE49-F238E27FC236}">
-                <a16:creationId xmlns:a16="http://schemas.microsoft.com/office/drawing/2014/main" id="{9D8A6F57-6320-1454-9D09-11B82AB28C5D}"/>
+                <a16:creationId xmlns:a16="http://schemas.microsoft.com/office/drawing/2014/main" id="{30AF8CD3-96DA-F131-D582-493415944386}"/>
               </a:ext>
             </a:extLst>
           </p:cNvPr>
@@ -450,7 +450,7 @@
           <a:bodyPr/>
           <a:lstStyle/>
           <a:p>
-            <a:fld id="{F899CF23-CD00-4E4E-BECA-402F714719DD}" type="datetimeFigureOut">
+            <a:fld id="{2D81FC54-9D42-4A67-B7BD-1187F6BD8B8E}" type="datetimeFigureOut">
               <a:rPr lang="zh-CN" altLang="en-US" smtClean="0"/>
               <a:t>2024/3/10</a:t>
             </a:fld>
@@ -463,7 +463,7 @@
           <p:cNvPr id="5" name="页脚占位符 4">
             <a:extLst>
               <a:ext uri="{FF2B5EF4-FFF2-40B4-BE49-F238E27FC236}">
-                <a16:creationId xmlns:a16="http://schemas.microsoft.com/office/drawing/2014/main" id="{D3CCC3F2-224A-770A-8ECB-79A394F98CFB}"/>
+                <a16:creationId xmlns:a16="http://schemas.microsoft.com/office/drawing/2014/main" id="{581D50AD-1CC1-58D6-89E1-856A779C8CA1}"/>
               </a:ext>
             </a:extLst>
           </p:cNvPr>
@@ -488,7 +488,7 @@
           <p:cNvPr id="6" name="灯片编号占位符 5">
             <a:extLst>
               <a:ext uri="{FF2B5EF4-FFF2-40B4-BE49-F238E27FC236}">
-                <a16:creationId xmlns:a16="http://schemas.microsoft.com/office/drawing/2014/main" id="{6AB8589E-2846-6755-F0D6-19FEBAE4BC80}"/>
+                <a16:creationId xmlns:a16="http://schemas.microsoft.com/office/drawing/2014/main" id="{8FBB069D-73B2-04EA-15BC-10CB6AAF600B}"/>
               </a:ext>
             </a:extLst>
           </p:cNvPr>
@@ -504,7 +504,7 @@
           <a:bodyPr/>
           <a:lstStyle/>
           <a:p>
-            <a:fld id="{F1FBBA34-171E-4E0A-B560-697D580476C7}" type="slidenum">
+            <a:fld id="{791020A9-F320-4F49-8F4E-5BF339C46B1C}" type="slidenum">
               <a:rPr lang="zh-CN" altLang="en-US" smtClean="0"/>
               <a:t>‹#›</a:t>
             </a:fld>
@@ -515,7 +515,7 @@
     </p:spTree>
     <p:extLst>
       <p:ext uri="{BB962C8B-B14F-4D97-AF65-F5344CB8AC3E}">
-        <p14:creationId xmlns:p14="http://schemas.microsoft.com/office/powerpoint/2010/main" val="3255168162"/>
+        <p14:creationId xmlns:p14="http://schemas.microsoft.com/office/powerpoint/2010/main" val="2629431606"/>
       </p:ext>
     </p:extLst>
   </p:cSld>
@@ -547,7 +547,7 @@
           <p:cNvPr id="2" name="竖排标题 1">
             <a:extLst>
               <a:ext uri="{FF2B5EF4-FFF2-40B4-BE49-F238E27FC236}">
-                <a16:creationId xmlns:a16="http://schemas.microsoft.com/office/drawing/2014/main" id="{E2B1544D-9A57-3BED-897B-6117ACF2FF73}"/>
+                <a16:creationId xmlns:a16="http://schemas.microsoft.com/office/drawing/2014/main" id="{CCD931A2-7892-7213-3A93-40291EC4E489}"/>
               </a:ext>
             </a:extLst>
           </p:cNvPr>
@@ -580,7 +580,7 @@
           <p:cNvPr id="3" name="竖排文字占位符 2">
             <a:extLst>
               <a:ext uri="{FF2B5EF4-FFF2-40B4-BE49-F238E27FC236}">
-                <a16:creationId xmlns:a16="http://schemas.microsoft.com/office/drawing/2014/main" id="{12949083-528E-7DD3-D997-722E9F89AE58}"/>
+                <a16:creationId xmlns:a16="http://schemas.microsoft.com/office/drawing/2014/main" id="{DF0DCDE8-7743-9489-5BFD-09A7F7D3A83B}"/>
               </a:ext>
             </a:extLst>
           </p:cNvPr>
@@ -642,7 +642,7 @@
           <p:cNvPr id="4" name="日期占位符 3">
             <a:extLst>
               <a:ext uri="{FF2B5EF4-FFF2-40B4-BE49-F238E27FC236}">
-                <a16:creationId xmlns:a16="http://schemas.microsoft.com/office/drawing/2014/main" id="{AAE1B8E9-E8A9-8C33-8C57-78213341D86F}"/>
+                <a16:creationId xmlns:a16="http://schemas.microsoft.com/office/drawing/2014/main" id="{B109E8B3-9A18-3474-33AA-E8220FEC6488}"/>
               </a:ext>
             </a:extLst>
           </p:cNvPr>
@@ -658,7 +658,7 @@
           <a:bodyPr/>
           <a:lstStyle/>
           <a:p>
-            <a:fld id="{F899CF23-CD00-4E4E-BECA-402F714719DD}" type="datetimeFigureOut">
+            <a:fld id="{2D81FC54-9D42-4A67-B7BD-1187F6BD8B8E}" type="datetimeFigureOut">
               <a:rPr lang="zh-CN" altLang="en-US" smtClean="0"/>
               <a:t>2024/3/10</a:t>
             </a:fld>
@@ -671,7 +671,7 @@
           <p:cNvPr id="5" name="页脚占位符 4">
             <a:extLst>
               <a:ext uri="{FF2B5EF4-FFF2-40B4-BE49-F238E27FC236}">
-                <a16:creationId xmlns:a16="http://schemas.microsoft.com/office/drawing/2014/main" id="{6352D1F0-054D-C11B-6FB6-F7EE2311070A}"/>
+                <a16:creationId xmlns:a16="http://schemas.microsoft.com/office/drawing/2014/main" id="{C5DF92F2-5E0E-B53C-2C52-77492AC2ED54}"/>
               </a:ext>
             </a:extLst>
           </p:cNvPr>
@@ -696,7 +696,7 @@
           <p:cNvPr id="6" name="灯片编号占位符 5">
             <a:extLst>
               <a:ext uri="{FF2B5EF4-FFF2-40B4-BE49-F238E27FC236}">
-                <a16:creationId xmlns:a16="http://schemas.microsoft.com/office/drawing/2014/main" id="{91A3A039-7877-D1D4-EDAB-781B1DEDD017}"/>
+                <a16:creationId xmlns:a16="http://schemas.microsoft.com/office/drawing/2014/main" id="{D7383F49-2CCF-6AAF-3110-1DCFC47B44FD}"/>
               </a:ext>
             </a:extLst>
           </p:cNvPr>
@@ -712,7 +712,7 @@
           <a:bodyPr/>
           <a:lstStyle/>
           <a:p>
-            <a:fld id="{F1FBBA34-171E-4E0A-B560-697D580476C7}" type="slidenum">
+            <a:fld id="{791020A9-F320-4F49-8F4E-5BF339C46B1C}" type="slidenum">
               <a:rPr lang="zh-CN" altLang="en-US" smtClean="0"/>
               <a:t>‹#›</a:t>
             </a:fld>
@@ -723,7 +723,7 @@
     </p:spTree>
     <p:extLst>
       <p:ext uri="{BB962C8B-B14F-4D97-AF65-F5344CB8AC3E}">
-        <p14:creationId xmlns:p14="http://schemas.microsoft.com/office/powerpoint/2010/main" val="32893239"/>
+        <p14:creationId xmlns:p14="http://schemas.microsoft.com/office/powerpoint/2010/main" val="2843296631"/>
       </p:ext>
     </p:extLst>
   </p:cSld>
@@ -755,7 +755,7 @@
           <p:cNvPr id="2" name="标题 1">
             <a:extLst>
               <a:ext uri="{FF2B5EF4-FFF2-40B4-BE49-F238E27FC236}">
-                <a16:creationId xmlns:a16="http://schemas.microsoft.com/office/drawing/2014/main" id="{943D2084-870A-27A0-3916-74AEF84E22FF}"/>
+                <a16:creationId xmlns:a16="http://schemas.microsoft.com/office/drawing/2014/main" id="{0323CC20-4CB2-D5F6-F3A9-57C66CB57141}"/>
               </a:ext>
             </a:extLst>
           </p:cNvPr>
@@ -783,7 +783,7 @@
           <p:cNvPr id="3" name="内容占位符 2">
             <a:extLst>
               <a:ext uri="{FF2B5EF4-FFF2-40B4-BE49-F238E27FC236}">
-                <a16:creationId xmlns:a16="http://schemas.microsoft.com/office/drawing/2014/main" id="{6EAB22D2-7833-59EA-DFFE-574DB3BEB781}"/>
+                <a16:creationId xmlns:a16="http://schemas.microsoft.com/office/drawing/2014/main" id="{86573128-CDEE-BB5C-8373-B8592BB8170D}"/>
               </a:ext>
             </a:extLst>
           </p:cNvPr>
@@ -840,7 +840,7 @@
           <p:cNvPr id="4" name="日期占位符 3">
             <a:extLst>
               <a:ext uri="{FF2B5EF4-FFF2-40B4-BE49-F238E27FC236}">
-                <a16:creationId xmlns:a16="http://schemas.microsoft.com/office/drawing/2014/main" id="{85C4C359-58AF-461B-0EFF-42C1AE6D20D0}"/>
+                <a16:creationId xmlns:a16="http://schemas.microsoft.com/office/drawing/2014/main" id="{EF89F7C1-A4B5-19CB-E2A2-713FED35C017}"/>
               </a:ext>
             </a:extLst>
           </p:cNvPr>
@@ -856,7 +856,7 @@
           <a:bodyPr/>
           <a:lstStyle/>
           <a:p>
-            <a:fld id="{F899CF23-CD00-4E4E-BECA-402F714719DD}" type="datetimeFigureOut">
+            <a:fld id="{2D81FC54-9D42-4A67-B7BD-1187F6BD8B8E}" type="datetimeFigureOut">
               <a:rPr lang="zh-CN" altLang="en-US" smtClean="0"/>
               <a:t>2024/3/10</a:t>
             </a:fld>
@@ -869,7 +869,7 @@
           <p:cNvPr id="5" name="页脚占位符 4">
             <a:extLst>
               <a:ext uri="{FF2B5EF4-FFF2-40B4-BE49-F238E27FC236}">
-                <a16:creationId xmlns:a16="http://schemas.microsoft.com/office/drawing/2014/main" id="{934A5DFC-44B6-3405-5C7C-EB45C495CC0F}"/>
+                <a16:creationId xmlns:a16="http://schemas.microsoft.com/office/drawing/2014/main" id="{F6CD76CE-7891-75C2-D572-593A9A5C1BBE}"/>
               </a:ext>
             </a:extLst>
           </p:cNvPr>
@@ -894,7 +894,7 @@
           <p:cNvPr id="6" name="灯片编号占位符 5">
             <a:extLst>
               <a:ext uri="{FF2B5EF4-FFF2-40B4-BE49-F238E27FC236}">
-                <a16:creationId xmlns:a16="http://schemas.microsoft.com/office/drawing/2014/main" id="{6E30A1A1-3309-D3B1-EE42-27536D66BE15}"/>
+                <a16:creationId xmlns:a16="http://schemas.microsoft.com/office/drawing/2014/main" id="{6FD4760F-57DE-A173-0149-52D8C6F1EB58}"/>
               </a:ext>
             </a:extLst>
           </p:cNvPr>
@@ -910,7 +910,7 @@
           <a:bodyPr/>
           <a:lstStyle/>
           <a:p>
-            <a:fld id="{F1FBBA34-171E-4E0A-B560-697D580476C7}" type="slidenum">
+            <a:fld id="{791020A9-F320-4F49-8F4E-5BF339C46B1C}" type="slidenum">
               <a:rPr lang="zh-CN" altLang="en-US" smtClean="0"/>
               <a:t>‹#›</a:t>
             </a:fld>
@@ -921,7 +921,7 @@
     </p:spTree>
     <p:extLst>
       <p:ext uri="{BB962C8B-B14F-4D97-AF65-F5344CB8AC3E}">
-        <p14:creationId xmlns:p14="http://schemas.microsoft.com/office/powerpoint/2010/main" val="239417830"/>
+        <p14:creationId xmlns:p14="http://schemas.microsoft.com/office/powerpoint/2010/main" val="2669899468"/>
       </p:ext>
     </p:extLst>
   </p:cSld>
@@ -953,7 +953,7 @@
           <p:cNvPr id="2" name="标题 1">
             <a:extLst>
               <a:ext uri="{FF2B5EF4-FFF2-40B4-BE49-F238E27FC236}">
-                <a16:creationId xmlns:a16="http://schemas.microsoft.com/office/drawing/2014/main" id="{AFEF07A1-7152-25AE-C29E-7F0B943C222F}"/>
+                <a16:creationId xmlns:a16="http://schemas.microsoft.com/office/drawing/2014/main" id="{04349F5E-0666-6A6D-333C-D586AD424FBF}"/>
               </a:ext>
             </a:extLst>
           </p:cNvPr>
@@ -990,7 +990,7 @@
           <p:cNvPr id="3" name="文本占位符 2">
             <a:extLst>
               <a:ext uri="{FF2B5EF4-FFF2-40B4-BE49-F238E27FC236}">
-                <a16:creationId xmlns:a16="http://schemas.microsoft.com/office/drawing/2014/main" id="{C2C1F120-E8C5-17D2-B20F-B9F1FCDBB1C1}"/>
+                <a16:creationId xmlns:a16="http://schemas.microsoft.com/office/drawing/2014/main" id="{E529243E-1063-E17C-21D8-8FD0C940A1AA}"/>
               </a:ext>
             </a:extLst>
           </p:cNvPr>
@@ -1115,7 +1115,7 @@
           <p:cNvPr id="4" name="日期占位符 3">
             <a:extLst>
               <a:ext uri="{FF2B5EF4-FFF2-40B4-BE49-F238E27FC236}">
-                <a16:creationId xmlns:a16="http://schemas.microsoft.com/office/drawing/2014/main" id="{DF320898-8964-850D-BEB5-8844CA1B4B84}"/>
+                <a16:creationId xmlns:a16="http://schemas.microsoft.com/office/drawing/2014/main" id="{A20B69A9-FBCE-FF8B-4A6E-57299B22F566}"/>
               </a:ext>
             </a:extLst>
           </p:cNvPr>
@@ -1131,7 +1131,7 @@
           <a:bodyPr/>
           <a:lstStyle/>
           <a:p>
-            <a:fld id="{F899CF23-CD00-4E4E-BECA-402F714719DD}" type="datetimeFigureOut">
+            <a:fld id="{2D81FC54-9D42-4A67-B7BD-1187F6BD8B8E}" type="datetimeFigureOut">
               <a:rPr lang="zh-CN" altLang="en-US" smtClean="0"/>
               <a:t>2024/3/10</a:t>
             </a:fld>
@@ -1144,7 +1144,7 @@
           <p:cNvPr id="5" name="页脚占位符 4">
             <a:extLst>
               <a:ext uri="{FF2B5EF4-FFF2-40B4-BE49-F238E27FC236}">
-                <a16:creationId xmlns:a16="http://schemas.microsoft.com/office/drawing/2014/main" id="{8B9B954E-F54E-6EDA-1ECA-C8FE2D2378D7}"/>
+                <a16:creationId xmlns:a16="http://schemas.microsoft.com/office/drawing/2014/main" id="{FB2CEB37-A090-E235-911B-725591BD7E9A}"/>
               </a:ext>
             </a:extLst>
           </p:cNvPr>
@@ -1169,7 +1169,7 @@
           <p:cNvPr id="6" name="灯片编号占位符 5">
             <a:extLst>
               <a:ext uri="{FF2B5EF4-FFF2-40B4-BE49-F238E27FC236}">
-                <a16:creationId xmlns:a16="http://schemas.microsoft.com/office/drawing/2014/main" id="{E0F12C85-4177-DD75-960A-231CC7B59E44}"/>
+                <a16:creationId xmlns:a16="http://schemas.microsoft.com/office/drawing/2014/main" id="{89617FBE-CDCA-0364-79E5-F5F5ABB7D121}"/>
               </a:ext>
             </a:extLst>
           </p:cNvPr>
@@ -1185,7 +1185,7 @@
           <a:bodyPr/>
           <a:lstStyle/>
           <a:p>
-            <a:fld id="{F1FBBA34-171E-4E0A-B560-697D580476C7}" type="slidenum">
+            <a:fld id="{791020A9-F320-4F49-8F4E-5BF339C46B1C}" type="slidenum">
               <a:rPr lang="zh-CN" altLang="en-US" smtClean="0"/>
               <a:t>‹#›</a:t>
             </a:fld>
@@ -1196,7 +1196,7 @@
     </p:spTree>
     <p:extLst>
       <p:ext uri="{BB962C8B-B14F-4D97-AF65-F5344CB8AC3E}">
-        <p14:creationId xmlns:p14="http://schemas.microsoft.com/office/powerpoint/2010/main" val="1223934808"/>
+        <p14:creationId xmlns:p14="http://schemas.microsoft.com/office/powerpoint/2010/main" val="1689364519"/>
       </p:ext>
     </p:extLst>
   </p:cSld>
@@ -1228,7 +1228,7 @@
           <p:cNvPr id="2" name="标题 1">
             <a:extLst>
               <a:ext uri="{FF2B5EF4-FFF2-40B4-BE49-F238E27FC236}">
-                <a16:creationId xmlns:a16="http://schemas.microsoft.com/office/drawing/2014/main" id="{9E087BD6-0378-60D1-63B2-01CCA868D7CF}"/>
+                <a16:creationId xmlns:a16="http://schemas.microsoft.com/office/drawing/2014/main" id="{70BA559F-879B-8A49-CA0E-AFA01440C621}"/>
               </a:ext>
             </a:extLst>
           </p:cNvPr>
@@ -1256,7 +1256,7 @@
           <p:cNvPr id="3" name="内容占位符 2">
             <a:extLst>
               <a:ext uri="{FF2B5EF4-FFF2-40B4-BE49-F238E27FC236}">
-                <a16:creationId xmlns:a16="http://schemas.microsoft.com/office/drawing/2014/main" id="{57C42F6A-483F-9056-5365-11821FB17D6C}"/>
+                <a16:creationId xmlns:a16="http://schemas.microsoft.com/office/drawing/2014/main" id="{CEC881D4-3463-6387-9930-556D10384A3D}"/>
               </a:ext>
             </a:extLst>
           </p:cNvPr>
@@ -1318,7 +1318,7 @@
           <p:cNvPr id="4" name="内容占位符 3">
             <a:extLst>
               <a:ext uri="{FF2B5EF4-FFF2-40B4-BE49-F238E27FC236}">
-                <a16:creationId xmlns:a16="http://schemas.microsoft.com/office/drawing/2014/main" id="{B2E9F8DF-FC68-915F-34CF-898B510AC3C4}"/>
+                <a16:creationId xmlns:a16="http://schemas.microsoft.com/office/drawing/2014/main" id="{F5C4BFCE-FD7B-D940-3E4A-19C66590BF09}"/>
               </a:ext>
             </a:extLst>
           </p:cNvPr>
@@ -1380,7 +1380,7 @@
           <p:cNvPr id="5" name="日期占位符 4">
             <a:extLst>
               <a:ext uri="{FF2B5EF4-FFF2-40B4-BE49-F238E27FC236}">
-                <a16:creationId xmlns:a16="http://schemas.microsoft.com/office/drawing/2014/main" id="{2ED3F78E-D4A9-5859-D5ED-FE5118AA5F64}"/>
+                <a16:creationId xmlns:a16="http://schemas.microsoft.com/office/drawing/2014/main" id="{3F3F2359-150D-5F46-F4A4-12E9F3DB4A6F}"/>
               </a:ext>
             </a:extLst>
           </p:cNvPr>
@@ -1396,7 +1396,7 @@
           <a:bodyPr/>
           <a:lstStyle/>
           <a:p>
-            <a:fld id="{F899CF23-CD00-4E4E-BECA-402F714719DD}" type="datetimeFigureOut">
+            <a:fld id="{2D81FC54-9D42-4A67-B7BD-1187F6BD8B8E}" type="datetimeFigureOut">
               <a:rPr lang="zh-CN" altLang="en-US" smtClean="0"/>
               <a:t>2024/3/10</a:t>
             </a:fld>
@@ -1409,7 +1409,7 @@
           <p:cNvPr id="6" name="页脚占位符 5">
             <a:extLst>
               <a:ext uri="{FF2B5EF4-FFF2-40B4-BE49-F238E27FC236}">
-                <a16:creationId xmlns:a16="http://schemas.microsoft.com/office/drawing/2014/main" id="{1931C4D5-699F-2117-B935-E9C85104255D}"/>
+                <a16:creationId xmlns:a16="http://schemas.microsoft.com/office/drawing/2014/main" id="{CD1CA221-0062-7A73-5D41-D820CA076C00}"/>
               </a:ext>
             </a:extLst>
           </p:cNvPr>
@@ -1434,7 +1434,7 @@
           <p:cNvPr id="7" name="灯片编号占位符 6">
             <a:extLst>
               <a:ext uri="{FF2B5EF4-FFF2-40B4-BE49-F238E27FC236}">
-                <a16:creationId xmlns:a16="http://schemas.microsoft.com/office/drawing/2014/main" id="{2F4AEFCC-0B07-EFD5-FDF8-7E28CCEDE00C}"/>
+                <a16:creationId xmlns:a16="http://schemas.microsoft.com/office/drawing/2014/main" id="{CFB67D7B-FAB6-EA96-6CD8-7A51708D7051}"/>
               </a:ext>
             </a:extLst>
           </p:cNvPr>
@@ -1450,7 +1450,7 @@
           <a:bodyPr/>
           <a:lstStyle/>
           <a:p>
-            <a:fld id="{F1FBBA34-171E-4E0A-B560-697D580476C7}" type="slidenum">
+            <a:fld id="{791020A9-F320-4F49-8F4E-5BF339C46B1C}" type="slidenum">
               <a:rPr lang="zh-CN" altLang="en-US" smtClean="0"/>
               <a:t>‹#›</a:t>
             </a:fld>
@@ -1461,7 +1461,7 @@
     </p:spTree>
     <p:extLst>
       <p:ext uri="{BB962C8B-B14F-4D97-AF65-F5344CB8AC3E}">
-        <p14:creationId xmlns:p14="http://schemas.microsoft.com/office/powerpoint/2010/main" val="1786696469"/>
+        <p14:creationId xmlns:p14="http://schemas.microsoft.com/office/powerpoint/2010/main" val="1097219906"/>
       </p:ext>
     </p:extLst>
   </p:cSld>
@@ -1493,7 +1493,7 @@
           <p:cNvPr id="2" name="标题 1">
             <a:extLst>
               <a:ext uri="{FF2B5EF4-FFF2-40B4-BE49-F238E27FC236}">
-                <a16:creationId xmlns:a16="http://schemas.microsoft.com/office/drawing/2014/main" id="{FC7B2AEE-FE18-DCC8-1603-FA3E73766008}"/>
+                <a16:creationId xmlns:a16="http://schemas.microsoft.com/office/drawing/2014/main" id="{A25AB8C8-A7E8-8620-7E3E-4FC5FD2C61E5}"/>
               </a:ext>
             </a:extLst>
           </p:cNvPr>
@@ -1526,7 +1526,7 @@
           <p:cNvPr id="3" name="文本占位符 2">
             <a:extLst>
               <a:ext uri="{FF2B5EF4-FFF2-40B4-BE49-F238E27FC236}">
-                <a16:creationId xmlns:a16="http://schemas.microsoft.com/office/drawing/2014/main" id="{9A6BA984-F098-033D-4029-CAAD9FCEB77B}"/>
+                <a16:creationId xmlns:a16="http://schemas.microsoft.com/office/drawing/2014/main" id="{3A4E16FF-6953-5BC1-3728-0A728A13B96E}"/>
               </a:ext>
             </a:extLst>
           </p:cNvPr>
@@ -1597,7 +1597,7 @@
           <p:cNvPr id="4" name="内容占位符 3">
             <a:extLst>
               <a:ext uri="{FF2B5EF4-FFF2-40B4-BE49-F238E27FC236}">
-                <a16:creationId xmlns:a16="http://schemas.microsoft.com/office/drawing/2014/main" id="{F0EB35FE-87BF-AD7F-9E9F-B10AEA2F543C}"/>
+                <a16:creationId xmlns:a16="http://schemas.microsoft.com/office/drawing/2014/main" id="{9B5D0206-ABBA-EB27-A31A-85C37106A39F}"/>
               </a:ext>
             </a:extLst>
           </p:cNvPr>
@@ -1659,7 +1659,7 @@
           <p:cNvPr id="5" name="文本占位符 4">
             <a:extLst>
               <a:ext uri="{FF2B5EF4-FFF2-40B4-BE49-F238E27FC236}">
-                <a16:creationId xmlns:a16="http://schemas.microsoft.com/office/drawing/2014/main" id="{6103AD93-7441-C5EC-32A6-BCC6C7F47351}"/>
+                <a16:creationId xmlns:a16="http://schemas.microsoft.com/office/drawing/2014/main" id="{78839C3C-2C67-1DCA-1011-0D2BB7865440}"/>
               </a:ext>
             </a:extLst>
           </p:cNvPr>
@@ -1730,7 +1730,7 @@
           <p:cNvPr id="6" name="内容占位符 5">
             <a:extLst>
               <a:ext uri="{FF2B5EF4-FFF2-40B4-BE49-F238E27FC236}">
-                <a16:creationId xmlns:a16="http://schemas.microsoft.com/office/drawing/2014/main" id="{B7DD23B1-F06F-0F0B-4A46-4DD55E1908A8}"/>
+                <a16:creationId xmlns:a16="http://schemas.microsoft.com/office/drawing/2014/main" id="{8F5563BA-5080-0B2A-62C9-F9A2383679A1}"/>
               </a:ext>
             </a:extLst>
           </p:cNvPr>
@@ -1792,7 +1792,7 @@
           <p:cNvPr id="7" name="日期占位符 6">
             <a:extLst>
               <a:ext uri="{FF2B5EF4-FFF2-40B4-BE49-F238E27FC236}">
-                <a16:creationId xmlns:a16="http://schemas.microsoft.com/office/drawing/2014/main" id="{C2D6F8B9-071E-DE86-1DF8-FFB3D984F016}"/>
+                <a16:creationId xmlns:a16="http://schemas.microsoft.com/office/drawing/2014/main" id="{7FAE9D00-4F48-B3D1-1038-7F8C85782072}"/>
               </a:ext>
             </a:extLst>
           </p:cNvPr>
@@ -1808,7 +1808,7 @@
           <a:bodyPr/>
           <a:lstStyle/>
           <a:p>
-            <a:fld id="{F899CF23-CD00-4E4E-BECA-402F714719DD}" type="datetimeFigureOut">
+            <a:fld id="{2D81FC54-9D42-4A67-B7BD-1187F6BD8B8E}" type="datetimeFigureOut">
               <a:rPr lang="zh-CN" altLang="en-US" smtClean="0"/>
               <a:t>2024/3/10</a:t>
             </a:fld>
@@ -1821,7 +1821,7 @@
           <p:cNvPr id="8" name="页脚占位符 7">
             <a:extLst>
               <a:ext uri="{FF2B5EF4-FFF2-40B4-BE49-F238E27FC236}">
-                <a16:creationId xmlns:a16="http://schemas.microsoft.com/office/drawing/2014/main" id="{A02AE281-07E6-3DDD-AA3D-F54453DF1B73}"/>
+                <a16:creationId xmlns:a16="http://schemas.microsoft.com/office/drawing/2014/main" id="{6695484A-9B0F-8737-ABE2-B05F24EE891D}"/>
               </a:ext>
             </a:extLst>
           </p:cNvPr>
@@ -1846,7 +1846,7 @@
           <p:cNvPr id="9" name="灯片编号占位符 8">
             <a:extLst>
               <a:ext uri="{FF2B5EF4-FFF2-40B4-BE49-F238E27FC236}">
-                <a16:creationId xmlns:a16="http://schemas.microsoft.com/office/drawing/2014/main" id="{7F626B35-F281-B0AC-EAF2-310EC241866E}"/>
+                <a16:creationId xmlns:a16="http://schemas.microsoft.com/office/drawing/2014/main" id="{AAECCBC4-0FBC-36C5-F0BF-5570DEB9E1C9}"/>
               </a:ext>
             </a:extLst>
           </p:cNvPr>
@@ -1862,7 +1862,7 @@
           <a:bodyPr/>
           <a:lstStyle/>
           <a:p>
-            <a:fld id="{F1FBBA34-171E-4E0A-B560-697D580476C7}" type="slidenum">
+            <a:fld id="{791020A9-F320-4F49-8F4E-5BF339C46B1C}" type="slidenum">
               <a:rPr lang="zh-CN" altLang="en-US" smtClean="0"/>
               <a:t>‹#›</a:t>
             </a:fld>
@@ -1873,7 +1873,7 @@
     </p:spTree>
     <p:extLst>
       <p:ext uri="{BB962C8B-B14F-4D97-AF65-F5344CB8AC3E}">
-        <p14:creationId xmlns:p14="http://schemas.microsoft.com/office/powerpoint/2010/main" val="4023293645"/>
+        <p14:creationId xmlns:p14="http://schemas.microsoft.com/office/powerpoint/2010/main" val="2231642905"/>
       </p:ext>
     </p:extLst>
   </p:cSld>
@@ -1905,7 +1905,7 @@
           <p:cNvPr id="2" name="标题 1">
             <a:extLst>
               <a:ext uri="{FF2B5EF4-FFF2-40B4-BE49-F238E27FC236}">
-                <a16:creationId xmlns:a16="http://schemas.microsoft.com/office/drawing/2014/main" id="{25561D38-CB01-9962-B096-5EEB990D270C}"/>
+                <a16:creationId xmlns:a16="http://schemas.microsoft.com/office/drawing/2014/main" id="{33B280FD-ECFB-60DB-5054-BCF454B4FFA3}"/>
               </a:ext>
             </a:extLst>
           </p:cNvPr>
@@ -1933,7 +1933,7 @@
           <p:cNvPr id="3" name="日期占位符 2">
             <a:extLst>
               <a:ext uri="{FF2B5EF4-FFF2-40B4-BE49-F238E27FC236}">
-                <a16:creationId xmlns:a16="http://schemas.microsoft.com/office/drawing/2014/main" id="{1A98CB67-6025-B004-7C01-3B60CB4C5D60}"/>
+                <a16:creationId xmlns:a16="http://schemas.microsoft.com/office/drawing/2014/main" id="{5E039CE5-E058-222C-8370-65F70D489541}"/>
               </a:ext>
             </a:extLst>
           </p:cNvPr>
@@ -1949,7 +1949,7 @@
           <a:bodyPr/>
           <a:lstStyle/>
           <a:p>
-            <a:fld id="{F899CF23-CD00-4E4E-BECA-402F714719DD}" type="datetimeFigureOut">
+            <a:fld id="{2D81FC54-9D42-4A67-B7BD-1187F6BD8B8E}" type="datetimeFigureOut">
               <a:rPr lang="zh-CN" altLang="en-US" smtClean="0"/>
               <a:t>2024/3/10</a:t>
             </a:fld>
@@ -1962,7 +1962,7 @@
           <p:cNvPr id="4" name="页脚占位符 3">
             <a:extLst>
               <a:ext uri="{FF2B5EF4-FFF2-40B4-BE49-F238E27FC236}">
-                <a16:creationId xmlns:a16="http://schemas.microsoft.com/office/drawing/2014/main" id="{D8625FD6-8CAD-1C5E-5F63-8120372C7986}"/>
+                <a16:creationId xmlns:a16="http://schemas.microsoft.com/office/drawing/2014/main" id="{D568B03D-69F0-8FD8-032C-3D3246F425F6}"/>
               </a:ext>
             </a:extLst>
           </p:cNvPr>
@@ -1987,7 +1987,7 @@
           <p:cNvPr id="5" name="灯片编号占位符 4">
             <a:extLst>
               <a:ext uri="{FF2B5EF4-FFF2-40B4-BE49-F238E27FC236}">
-                <a16:creationId xmlns:a16="http://schemas.microsoft.com/office/drawing/2014/main" id="{5690D162-A782-D3D1-E371-1E4F2A187511}"/>
+                <a16:creationId xmlns:a16="http://schemas.microsoft.com/office/drawing/2014/main" id="{754D252C-1F27-FD53-00C8-079C991D1A9C}"/>
               </a:ext>
             </a:extLst>
           </p:cNvPr>
@@ -2003,7 +2003,7 @@
           <a:bodyPr/>
           <a:lstStyle/>
           <a:p>
-            <a:fld id="{F1FBBA34-171E-4E0A-B560-697D580476C7}" type="slidenum">
+            <a:fld id="{791020A9-F320-4F49-8F4E-5BF339C46B1C}" type="slidenum">
               <a:rPr lang="zh-CN" altLang="en-US" smtClean="0"/>
               <a:t>‹#›</a:t>
             </a:fld>
@@ -2014,7 +2014,7 @@
     </p:spTree>
     <p:extLst>
       <p:ext uri="{BB962C8B-B14F-4D97-AF65-F5344CB8AC3E}">
-        <p14:creationId xmlns:p14="http://schemas.microsoft.com/office/powerpoint/2010/main" val="2585934353"/>
+        <p14:creationId xmlns:p14="http://schemas.microsoft.com/office/powerpoint/2010/main" val="2740520456"/>
       </p:ext>
     </p:extLst>
   </p:cSld>
@@ -2046,7 +2046,7 @@
           <p:cNvPr id="2" name="日期占位符 1">
             <a:extLst>
               <a:ext uri="{FF2B5EF4-FFF2-40B4-BE49-F238E27FC236}">
-                <a16:creationId xmlns:a16="http://schemas.microsoft.com/office/drawing/2014/main" id="{2A48B360-FC53-7C20-0188-8EE8713C88D7}"/>
+                <a16:creationId xmlns:a16="http://schemas.microsoft.com/office/drawing/2014/main" id="{45EAB636-6CB7-0E81-2BD7-775413564A4F}"/>
               </a:ext>
             </a:extLst>
           </p:cNvPr>
@@ -2062,7 +2062,7 @@
           <a:bodyPr/>
           <a:lstStyle/>
           <a:p>
-            <a:fld id="{F899CF23-CD00-4E4E-BECA-402F714719DD}" type="datetimeFigureOut">
+            <a:fld id="{2D81FC54-9D42-4A67-B7BD-1187F6BD8B8E}" type="datetimeFigureOut">
               <a:rPr lang="zh-CN" altLang="en-US" smtClean="0"/>
               <a:t>2024/3/10</a:t>
             </a:fld>
@@ -2075,7 +2075,7 @@
           <p:cNvPr id="3" name="页脚占位符 2">
             <a:extLst>
               <a:ext uri="{FF2B5EF4-FFF2-40B4-BE49-F238E27FC236}">
-                <a16:creationId xmlns:a16="http://schemas.microsoft.com/office/drawing/2014/main" id="{C828982B-9F5D-2263-3707-3B9B1E61AF2C}"/>
+                <a16:creationId xmlns:a16="http://schemas.microsoft.com/office/drawing/2014/main" id="{9C401556-FB54-1F4D-812F-D2B02AFD8CA4}"/>
               </a:ext>
             </a:extLst>
           </p:cNvPr>
@@ -2100,7 +2100,7 @@
           <p:cNvPr id="4" name="灯片编号占位符 3">
             <a:extLst>
               <a:ext uri="{FF2B5EF4-FFF2-40B4-BE49-F238E27FC236}">
-                <a16:creationId xmlns:a16="http://schemas.microsoft.com/office/drawing/2014/main" id="{622A4D69-38CC-9367-B5EC-C1574F74C6A2}"/>
+                <a16:creationId xmlns:a16="http://schemas.microsoft.com/office/drawing/2014/main" id="{B7422569-EDF0-8DF1-89C2-8A0AFFEAFA25}"/>
               </a:ext>
             </a:extLst>
           </p:cNvPr>
@@ -2116,7 +2116,7 @@
           <a:bodyPr/>
           <a:lstStyle/>
           <a:p>
-            <a:fld id="{F1FBBA34-171E-4E0A-B560-697D580476C7}" type="slidenum">
+            <a:fld id="{791020A9-F320-4F49-8F4E-5BF339C46B1C}" type="slidenum">
               <a:rPr lang="zh-CN" altLang="en-US" smtClean="0"/>
               <a:t>‹#›</a:t>
             </a:fld>
@@ -2127,7 +2127,7 @@
     </p:spTree>
     <p:extLst>
       <p:ext uri="{BB962C8B-B14F-4D97-AF65-F5344CB8AC3E}">
-        <p14:creationId xmlns:p14="http://schemas.microsoft.com/office/powerpoint/2010/main" val="1004486072"/>
+        <p14:creationId xmlns:p14="http://schemas.microsoft.com/office/powerpoint/2010/main" val="3951288505"/>
       </p:ext>
     </p:extLst>
   </p:cSld>
@@ -2159,7 +2159,7 @@
           <p:cNvPr id="2" name="标题 1">
             <a:extLst>
               <a:ext uri="{FF2B5EF4-FFF2-40B4-BE49-F238E27FC236}">
-                <a16:creationId xmlns:a16="http://schemas.microsoft.com/office/drawing/2014/main" id="{D2243EED-8070-F7EB-B7E9-9F6ADDB70447}"/>
+                <a16:creationId xmlns:a16="http://schemas.microsoft.com/office/drawing/2014/main" id="{22D24C03-2EB5-7405-D114-506B56CC613B}"/>
               </a:ext>
             </a:extLst>
           </p:cNvPr>
@@ -2196,7 +2196,7 @@
           <p:cNvPr id="3" name="内容占位符 2">
             <a:extLst>
               <a:ext uri="{FF2B5EF4-FFF2-40B4-BE49-F238E27FC236}">
-                <a16:creationId xmlns:a16="http://schemas.microsoft.com/office/drawing/2014/main" id="{8F8946C2-6226-A13C-8564-3EBE2D37BD98}"/>
+                <a16:creationId xmlns:a16="http://schemas.microsoft.com/office/drawing/2014/main" id="{78DE5EB3-912E-E1F0-1098-BE7ED41E4B7C}"/>
               </a:ext>
             </a:extLst>
           </p:cNvPr>
@@ -2286,7 +2286,7 @@
           <p:cNvPr id="4" name="文本占位符 3">
             <a:extLst>
               <a:ext uri="{FF2B5EF4-FFF2-40B4-BE49-F238E27FC236}">
-                <a16:creationId xmlns:a16="http://schemas.microsoft.com/office/drawing/2014/main" id="{9CB919C4-ED72-79C1-1425-E7AE9198046D}"/>
+                <a16:creationId xmlns:a16="http://schemas.microsoft.com/office/drawing/2014/main" id="{4468B0B2-35CB-F7F4-63E0-440AF029C117}"/>
               </a:ext>
             </a:extLst>
           </p:cNvPr>
@@ -2357,7 +2357,7 @@
           <p:cNvPr id="5" name="日期占位符 4">
             <a:extLst>
               <a:ext uri="{FF2B5EF4-FFF2-40B4-BE49-F238E27FC236}">
-                <a16:creationId xmlns:a16="http://schemas.microsoft.com/office/drawing/2014/main" id="{04EA5F89-1C2F-C782-6914-B98A5CB5ADD1}"/>
+                <a16:creationId xmlns:a16="http://schemas.microsoft.com/office/drawing/2014/main" id="{AD0BF069-B557-5FDE-C5B0-8187BB9D94F1}"/>
               </a:ext>
             </a:extLst>
           </p:cNvPr>
@@ -2373,7 +2373,7 @@
           <a:bodyPr/>
           <a:lstStyle/>
           <a:p>
-            <a:fld id="{F899CF23-CD00-4E4E-BECA-402F714719DD}" type="datetimeFigureOut">
+            <a:fld id="{2D81FC54-9D42-4A67-B7BD-1187F6BD8B8E}" type="datetimeFigureOut">
               <a:rPr lang="zh-CN" altLang="en-US" smtClean="0"/>
               <a:t>2024/3/10</a:t>
             </a:fld>
@@ -2386,7 +2386,7 @@
           <p:cNvPr id="6" name="页脚占位符 5">
             <a:extLst>
               <a:ext uri="{FF2B5EF4-FFF2-40B4-BE49-F238E27FC236}">
-                <a16:creationId xmlns:a16="http://schemas.microsoft.com/office/drawing/2014/main" id="{4713DD64-FBA3-1AF2-AF4A-F1A8CFCB6D1F}"/>
+                <a16:creationId xmlns:a16="http://schemas.microsoft.com/office/drawing/2014/main" id="{826978D8-B8C9-3F3D-CFEC-EB7D67DF8606}"/>
               </a:ext>
             </a:extLst>
           </p:cNvPr>
@@ -2411,7 +2411,7 @@
           <p:cNvPr id="7" name="灯片编号占位符 6">
             <a:extLst>
               <a:ext uri="{FF2B5EF4-FFF2-40B4-BE49-F238E27FC236}">
-                <a16:creationId xmlns:a16="http://schemas.microsoft.com/office/drawing/2014/main" id="{75C9E818-E74B-3948-72A4-9A8B6F56F86A}"/>
+                <a16:creationId xmlns:a16="http://schemas.microsoft.com/office/drawing/2014/main" id="{7E366196-1833-49BA-584D-F18A0A767C7B}"/>
               </a:ext>
             </a:extLst>
           </p:cNvPr>
@@ -2427,7 +2427,7 @@
           <a:bodyPr/>
           <a:lstStyle/>
           <a:p>
-            <a:fld id="{F1FBBA34-171E-4E0A-B560-697D580476C7}" type="slidenum">
+            <a:fld id="{791020A9-F320-4F49-8F4E-5BF339C46B1C}" type="slidenum">
               <a:rPr lang="zh-CN" altLang="en-US" smtClean="0"/>
               <a:t>‹#›</a:t>
             </a:fld>
@@ -2438,7 +2438,7 @@
     </p:spTree>
     <p:extLst>
       <p:ext uri="{BB962C8B-B14F-4D97-AF65-F5344CB8AC3E}">
-        <p14:creationId xmlns:p14="http://schemas.microsoft.com/office/powerpoint/2010/main" val="2649991121"/>
+        <p14:creationId xmlns:p14="http://schemas.microsoft.com/office/powerpoint/2010/main" val="1848812979"/>
       </p:ext>
     </p:extLst>
   </p:cSld>
@@ -2470,7 +2470,7 @@
           <p:cNvPr id="2" name="标题 1">
             <a:extLst>
               <a:ext uri="{FF2B5EF4-FFF2-40B4-BE49-F238E27FC236}">
-                <a16:creationId xmlns:a16="http://schemas.microsoft.com/office/drawing/2014/main" id="{E7F62A55-BED9-D749-E4E3-E8E3CD0E4049}"/>
+                <a16:creationId xmlns:a16="http://schemas.microsoft.com/office/drawing/2014/main" id="{B5F483E8-6C90-2BAC-21AB-A7893407001F}"/>
               </a:ext>
             </a:extLst>
           </p:cNvPr>
@@ -2507,7 +2507,7 @@
           <p:cNvPr id="3" name="图片占位符 2">
             <a:extLst>
               <a:ext uri="{FF2B5EF4-FFF2-40B4-BE49-F238E27FC236}">
-                <a16:creationId xmlns:a16="http://schemas.microsoft.com/office/drawing/2014/main" id="{3B7893D6-E8D0-CEF7-233A-2412D6207A03}"/>
+                <a16:creationId xmlns:a16="http://schemas.microsoft.com/office/drawing/2014/main" id="{8B1ACE05-96CC-4593-B7B5-E623401B9607}"/>
               </a:ext>
             </a:extLst>
           </p:cNvPr>
@@ -2574,7 +2574,7 @@
           <p:cNvPr id="4" name="文本占位符 3">
             <a:extLst>
               <a:ext uri="{FF2B5EF4-FFF2-40B4-BE49-F238E27FC236}">
-                <a16:creationId xmlns:a16="http://schemas.microsoft.com/office/drawing/2014/main" id="{73E52946-30F0-885F-B25C-446332AD7B59}"/>
+                <a16:creationId xmlns:a16="http://schemas.microsoft.com/office/drawing/2014/main" id="{2798CE5B-AD3B-A0CE-782F-2A53C8E95B99}"/>
               </a:ext>
             </a:extLst>
           </p:cNvPr>
@@ -2645,7 +2645,7 @@
           <p:cNvPr id="5" name="日期占位符 4">
             <a:extLst>
               <a:ext uri="{FF2B5EF4-FFF2-40B4-BE49-F238E27FC236}">
-                <a16:creationId xmlns:a16="http://schemas.microsoft.com/office/drawing/2014/main" id="{02FF29E2-9203-A681-4DC0-36368BD1E30A}"/>
+                <a16:creationId xmlns:a16="http://schemas.microsoft.com/office/drawing/2014/main" id="{9D792863-D43E-BA9A-89C0-FFDB5F8BDBCE}"/>
               </a:ext>
             </a:extLst>
           </p:cNvPr>
@@ -2661,7 +2661,7 @@
           <a:bodyPr/>
           <a:lstStyle/>
           <a:p>
-            <a:fld id="{F899CF23-CD00-4E4E-BECA-402F714719DD}" type="datetimeFigureOut">
+            <a:fld id="{2D81FC54-9D42-4A67-B7BD-1187F6BD8B8E}" type="datetimeFigureOut">
               <a:rPr lang="zh-CN" altLang="en-US" smtClean="0"/>
               <a:t>2024/3/10</a:t>
             </a:fld>
@@ -2674,7 +2674,7 @@
           <p:cNvPr id="6" name="页脚占位符 5">
             <a:extLst>
               <a:ext uri="{FF2B5EF4-FFF2-40B4-BE49-F238E27FC236}">
-                <a16:creationId xmlns:a16="http://schemas.microsoft.com/office/drawing/2014/main" id="{37B72DB9-7E93-48F2-F934-B1915622E697}"/>
+                <a16:creationId xmlns:a16="http://schemas.microsoft.com/office/drawing/2014/main" id="{590E04B4-604A-B566-6981-985A47972047}"/>
               </a:ext>
             </a:extLst>
           </p:cNvPr>
@@ -2699,7 +2699,7 @@
           <p:cNvPr id="7" name="灯片编号占位符 6">
             <a:extLst>
               <a:ext uri="{FF2B5EF4-FFF2-40B4-BE49-F238E27FC236}">
-                <a16:creationId xmlns:a16="http://schemas.microsoft.com/office/drawing/2014/main" id="{766868E6-8FE5-2995-8C6C-43C7172A35FA}"/>
+                <a16:creationId xmlns:a16="http://schemas.microsoft.com/office/drawing/2014/main" id="{2D61B342-F81A-00A6-998D-3BFA27FFEEF9}"/>
               </a:ext>
             </a:extLst>
           </p:cNvPr>
@@ -2715,7 +2715,7 @@
           <a:bodyPr/>
           <a:lstStyle/>
           <a:p>
-            <a:fld id="{F1FBBA34-171E-4E0A-B560-697D580476C7}" type="slidenum">
+            <a:fld id="{791020A9-F320-4F49-8F4E-5BF339C46B1C}" type="slidenum">
               <a:rPr lang="zh-CN" altLang="en-US" smtClean="0"/>
               <a:t>‹#›</a:t>
             </a:fld>
@@ -2726,7 +2726,7 @@
     </p:spTree>
     <p:extLst>
       <p:ext uri="{BB962C8B-B14F-4D97-AF65-F5344CB8AC3E}">
-        <p14:creationId xmlns:p14="http://schemas.microsoft.com/office/powerpoint/2010/main" val="3485322695"/>
+        <p14:creationId xmlns:p14="http://schemas.microsoft.com/office/powerpoint/2010/main" val="4220679772"/>
       </p:ext>
     </p:extLst>
   </p:cSld>
@@ -2763,7 +2763,7 @@
           <p:cNvPr id="2" name="标题占位符 1">
             <a:extLst>
               <a:ext uri="{FF2B5EF4-FFF2-40B4-BE49-F238E27FC236}">
-                <a16:creationId xmlns:a16="http://schemas.microsoft.com/office/drawing/2014/main" id="{226354A3-594A-139E-8AA9-91C93247C224}"/>
+                <a16:creationId xmlns:a16="http://schemas.microsoft.com/office/drawing/2014/main" id="{54CBD0B0-DDB3-673E-4EB2-84740ABF92D5}"/>
               </a:ext>
             </a:extLst>
           </p:cNvPr>
@@ -2801,7 +2801,7 @@
           <p:cNvPr id="3" name="文本占位符 2">
             <a:extLst>
               <a:ext uri="{FF2B5EF4-FFF2-40B4-BE49-F238E27FC236}">
-                <a16:creationId xmlns:a16="http://schemas.microsoft.com/office/drawing/2014/main" id="{70E58BA0-5565-A3E0-EBCA-FB9CD3AEC1E3}"/>
+                <a16:creationId xmlns:a16="http://schemas.microsoft.com/office/drawing/2014/main" id="{8B15F60D-B216-0D57-A065-B8E03E415C99}"/>
               </a:ext>
             </a:extLst>
           </p:cNvPr>
@@ -2868,7 +2868,7 @@
           <p:cNvPr id="4" name="日期占位符 3">
             <a:extLst>
               <a:ext uri="{FF2B5EF4-FFF2-40B4-BE49-F238E27FC236}">
-                <a16:creationId xmlns:a16="http://schemas.microsoft.com/office/drawing/2014/main" id="{A0F93E9D-40CD-D0B8-F52D-DDDB54A01E0F}"/>
+                <a16:creationId xmlns:a16="http://schemas.microsoft.com/office/drawing/2014/main" id="{098AEB64-AF2F-857B-D4B9-774D564EE63D}"/>
               </a:ext>
             </a:extLst>
           </p:cNvPr>
@@ -2902,7 +2902,7 @@
             </a:lvl1pPr>
           </a:lstStyle>
           <a:p>
-            <a:fld id="{F899CF23-CD00-4E4E-BECA-402F714719DD}" type="datetimeFigureOut">
+            <a:fld id="{2D81FC54-9D42-4A67-B7BD-1187F6BD8B8E}" type="datetimeFigureOut">
               <a:rPr lang="zh-CN" altLang="en-US" smtClean="0"/>
               <a:t>2024/3/10</a:t>
             </a:fld>
@@ -2915,7 +2915,7 @@
           <p:cNvPr id="5" name="页脚占位符 4">
             <a:extLst>
               <a:ext uri="{FF2B5EF4-FFF2-40B4-BE49-F238E27FC236}">
-                <a16:creationId xmlns:a16="http://schemas.microsoft.com/office/drawing/2014/main" id="{AFF158E8-CC66-4243-9B31-19B0E839E4E5}"/>
+                <a16:creationId xmlns:a16="http://schemas.microsoft.com/office/drawing/2014/main" id="{DF7F8E4E-1409-2730-EF2C-B3073DFD17F0}"/>
               </a:ext>
             </a:extLst>
           </p:cNvPr>
@@ -2958,7 +2958,7 @@
           <p:cNvPr id="6" name="灯片编号占位符 5">
             <a:extLst>
               <a:ext uri="{FF2B5EF4-FFF2-40B4-BE49-F238E27FC236}">
-                <a16:creationId xmlns:a16="http://schemas.microsoft.com/office/drawing/2014/main" id="{32115681-CB77-7BF4-D9A7-949DA8DCCCFE}"/>
+                <a16:creationId xmlns:a16="http://schemas.microsoft.com/office/drawing/2014/main" id="{018FC005-E12B-4C2C-1FC0-8CFB92951580}"/>
               </a:ext>
             </a:extLst>
           </p:cNvPr>
@@ -2992,7 +2992,7 @@
             </a:lvl1pPr>
           </a:lstStyle>
           <a:p>
-            <a:fld id="{F1FBBA34-171E-4E0A-B560-697D580476C7}" type="slidenum">
+            <a:fld id="{791020A9-F320-4F49-8F4E-5BF339C46B1C}" type="slidenum">
               <a:rPr lang="zh-CN" altLang="en-US" smtClean="0"/>
               <a:t>‹#›</a:t>
             </a:fld>
@@ -3003,7 +3003,7 @@
     </p:spTree>
     <p:extLst>
       <p:ext uri="{BB962C8B-B14F-4D97-AF65-F5344CB8AC3E}">
-        <p14:creationId xmlns:p14="http://schemas.microsoft.com/office/powerpoint/2010/main" val="2135330460"/>
+        <p14:creationId xmlns:p14="http://schemas.microsoft.com/office/powerpoint/2010/main" val="1470547800"/>
       </p:ext>
     </p:extLst>
   </p:cSld>
